--- a/Week5/Week 5.pptx
+++ b/Week5/Week 5.pptx
@@ -9838,7 +9838,7 @@
                 </a:solidFill>
                 <a:hlinkClick r:id="rId3"/>
               </a:rPr>
-              <a:t>http://ter.ps/f9h</a:t>
+              <a:t>https://goo.gl/forms/5135cM8oF8AAmMLN2</a:t>
             </a:r>
             <a:r>
               <a:rPr lang="en"/>
